--- a/策略平台.pptx
+++ b/策略平台.pptx
@@ -4601,35 +4601,6 @@
       </p:sp>
       <p:sp>
         <p:nvSpPr>
-          <p:cNvPr id="41" name="文本框 40"/>
-          <p:cNvSpPr txBox="1"/>
-          <p:nvPr/>
-        </p:nvSpPr>
-        <p:spPr>
-          <a:xfrm>
-            <a:off x="7340600" y="466090"/>
-            <a:ext cx="1544320" cy="245110"/>
-          </a:xfrm>
-          <a:prstGeom prst="rect">
-            <a:avLst/>
-          </a:prstGeom>
-          <a:noFill/>
-        </p:spPr>
-        <p:txBody>
-          <a:bodyPr wrap="square" rtlCol="0">
-            <a:spAutoFit/>
-          </a:bodyPr>
-          <a:p>
-            <a:r>
-              <a:rPr lang="zh-CN" altLang="en-US" sz="1000"/>
-              <a:t>交易服务器</a:t>
-            </a:r>
-            <a:endParaRPr lang="zh-CN" altLang="en-US" sz="1000"/>
-          </a:p>
-        </p:txBody>
-      </p:sp>
-      <p:sp>
-        <p:nvSpPr>
           <p:cNvPr id="42" name="文本框 41"/>
           <p:cNvSpPr txBox="1"/>
           <p:nvPr/>
@@ -5074,40 +5045,6 @@
             <a:avLst/>
           </a:prstGeom>
           <a:ln>
-            <a:tailEnd type="arrow"/>
-          </a:ln>
-        </p:spPr>
-        <p:style>
-          <a:lnRef idx="1">
-            <a:schemeClr val="accent1"/>
-          </a:lnRef>
-          <a:fillRef idx="0">
-            <a:schemeClr val="accent1"/>
-          </a:fillRef>
-          <a:effectRef idx="0">
-            <a:schemeClr val="accent1"/>
-          </a:effectRef>
-          <a:fontRef idx="minor">
-            <a:schemeClr val="tx1"/>
-          </a:fontRef>
-        </p:style>
-      </p:cxnSp>
-      <p:cxnSp>
-        <p:nvCxnSpPr>
-          <p:cNvPr id="62" name="直接箭头连接符 61"/>
-          <p:cNvCxnSpPr/>
-          <p:nvPr/>
-        </p:nvCxnSpPr>
-        <p:spPr>
-          <a:xfrm>
-            <a:off x="7731125" y="807720"/>
-            <a:ext cx="0" cy="569595"/>
-          </a:xfrm>
-          <a:prstGeom prst="straightConnector1">
-            <a:avLst/>
-          </a:prstGeom>
-          <a:ln>
-            <a:headEnd type="arrow"/>
             <a:tailEnd type="arrow"/>
           </a:ln>
         </p:spPr>
